--- a/翻转课堂/第五次翻转课堂/SRA-G17-第五次翻转课堂PPT(2).pptx
+++ b/翻转课堂/第五次翻转课堂/SRA-G17-第五次翻转课堂PPT(2).pptx
@@ -333,7 +333,7 @@
           <a:p>
             <a:fld id="{E9EBAD72-D166-4932-9339-2E755BE5A4DB}" type="datetimeFigureOut">
               <a:rPr lang="zh-CN" altLang="en-US" smtClean="0"/>
-              <a:t>2023/5/18</a:t>
+              <a:t>2023/5/19</a:t>
             </a:fld>
             <a:endParaRPr lang="zh-CN" altLang="en-US"/>
           </a:p>
@@ -3045,7 +3045,7 @@
           <a:p>
             <a:fld id="{D997B5FA-0921-464F-AAE1-844C04324D75}" type="datetimeFigureOut">
               <a:rPr lang="zh-CN" altLang="en-US" smtClean="0"/>
-              <a:t>2023/5/18</a:t>
+              <a:t>2023/5/19</a:t>
             </a:fld>
             <a:endParaRPr lang="zh-CN" altLang="en-US"/>
           </a:p>
@@ -3292,7 +3292,7 @@
           <a:p>
             <a:fld id="{D997B5FA-0921-464F-AAE1-844C04324D75}" type="datetimeFigureOut">
               <a:rPr lang="zh-CN" altLang="en-US" smtClean="0"/>
-              <a:t>2023/5/18</a:t>
+              <a:t>2023/5/19</a:t>
             </a:fld>
             <a:endParaRPr lang="zh-CN" altLang="en-US"/>
           </a:p>
@@ -3455,7 +3455,7 @@
           <a:p>
             <a:fld id="{D997B5FA-0921-464F-AAE1-844C04324D75}" type="datetimeFigureOut">
               <a:rPr lang="zh-CN" altLang="en-US" smtClean="0"/>
-              <a:t>2023/5/18</a:t>
+              <a:t>2023/5/19</a:t>
             </a:fld>
             <a:endParaRPr lang="zh-CN" altLang="en-US"/>
           </a:p>
@@ -3628,7 +3628,7 @@
           <a:p>
             <a:fld id="{D997B5FA-0921-464F-AAE1-844C04324D75}" type="datetimeFigureOut">
               <a:rPr lang="zh-CN" altLang="en-US" smtClean="0"/>
-              <a:t>2023/5/18</a:t>
+              <a:t>2023/5/19</a:t>
             </a:fld>
             <a:endParaRPr lang="zh-CN" altLang="en-US"/>
           </a:p>
@@ -3853,7 +3853,7 @@
           <a:p>
             <a:fld id="{D997B5FA-0921-464F-AAE1-844C04324D75}" type="datetimeFigureOut">
               <a:rPr lang="zh-CN" altLang="en-US" smtClean="0"/>
-              <a:t>2023/5/18</a:t>
+              <a:t>2023/5/19</a:t>
             </a:fld>
             <a:endParaRPr lang="zh-CN" altLang="en-US"/>
           </a:p>
@@ -4093,7 +4093,7 @@
           <a:p>
             <a:fld id="{D997B5FA-0921-464F-AAE1-844C04324D75}" type="datetimeFigureOut">
               <a:rPr lang="zh-CN" altLang="en-US" smtClean="0"/>
-              <a:t>2023/5/18</a:t>
+              <a:t>2023/5/19</a:t>
             </a:fld>
             <a:endParaRPr lang="zh-CN" altLang="en-US"/>
           </a:p>
@@ -4317,7 +4317,7 @@
           <a:p>
             <a:fld id="{D997B5FA-0921-464F-AAE1-844C04324D75}" type="datetimeFigureOut">
               <a:rPr lang="zh-CN" altLang="en-US" smtClean="0"/>
-              <a:t>2023/5/18</a:t>
+              <a:t>2023/5/19</a:t>
             </a:fld>
             <a:endParaRPr lang="zh-CN" altLang="en-US"/>
           </a:p>
@@ -4676,7 +4676,7 @@
           <a:p>
             <a:fld id="{D997B5FA-0921-464F-AAE1-844C04324D75}" type="datetimeFigureOut">
               <a:rPr lang="zh-CN" altLang="en-US" smtClean="0"/>
-              <a:t>2023/5/18</a:t>
+              <a:t>2023/5/19</a:t>
             </a:fld>
             <a:endParaRPr lang="zh-CN" altLang="en-US"/>
           </a:p>
@@ -4788,7 +4788,7 @@
           <a:p>
             <a:fld id="{D997B5FA-0921-464F-AAE1-844C04324D75}" type="datetimeFigureOut">
               <a:rPr lang="zh-CN" altLang="en-US" smtClean="0"/>
-              <a:t>2023/5/18</a:t>
+              <a:t>2023/5/19</a:t>
             </a:fld>
             <a:endParaRPr lang="zh-CN" altLang="en-US"/>
           </a:p>
@@ -4878,7 +4878,7 @@
           <a:p>
             <a:fld id="{D997B5FA-0921-464F-AAE1-844C04324D75}" type="datetimeFigureOut">
               <a:rPr lang="zh-CN" altLang="en-US" smtClean="0"/>
-              <a:t>2023/5/18</a:t>
+              <a:t>2023/5/19</a:t>
             </a:fld>
             <a:endParaRPr lang="zh-CN" altLang="en-US"/>
           </a:p>
@@ -5148,7 +5148,7 @@
           <a:p>
             <a:fld id="{D997B5FA-0921-464F-AAE1-844C04324D75}" type="datetimeFigureOut">
               <a:rPr lang="zh-CN" altLang="en-US" smtClean="0"/>
-              <a:t>2023/5/18</a:t>
+              <a:t>2023/5/19</a:t>
             </a:fld>
             <a:endParaRPr lang="zh-CN" altLang="en-US"/>
           </a:p>
@@ -5363,7 +5363,7 @@
           <a:p>
             <a:fld id="{D997B5FA-0921-464F-AAE1-844C04324D75}" type="datetimeFigureOut">
               <a:rPr lang="zh-CN" altLang="en-US" smtClean="0"/>
-              <a:t>2023/5/18</a:t>
+              <a:t>2023/5/19</a:t>
             </a:fld>
             <a:endParaRPr lang="zh-CN" altLang="en-US"/>
           </a:p>
@@ -26472,8 +26472,8 @@
         </p:nvSpPr>
         <p:spPr>
           <a:xfrm>
-            <a:off x="789305" y="1085850"/>
-            <a:ext cx="9946005" cy="4054475"/>
+            <a:off x="789306" y="1085850"/>
+            <a:ext cx="8490162" cy="5238750"/>
           </a:xfrm>
           <a:prstGeom prst="rect">
             <a:avLst/>
@@ -26488,22 +26488,22 @@
           <a:p>
             <a:pPr indent="457200"/>
             <a:r>
-              <a:rPr lang="zh-CN" altLang="en-US"/>
+              <a:rPr lang="zh-CN" altLang="en-US" dirty="0"/>
               <a:t>概念：</a:t>
             </a:r>
           </a:p>
           <a:p>
             <a:pPr indent="457200"/>
-            <a:endParaRPr lang="zh-CN" altLang="en-US"/>
+            <a:endParaRPr lang="zh-CN" altLang="en-US" dirty="0"/>
           </a:p>
           <a:p>
             <a:pPr indent="457200"/>
             <a:r>
-              <a:rPr lang="zh-CN" altLang="en-US"/>
+              <a:rPr lang="zh-CN" altLang="en-US" dirty="0"/>
               <a:t>对象图描述的是</a:t>
             </a:r>
             <a:r>
-              <a:rPr lang="zh-CN" altLang="en-US">
+              <a:rPr lang="zh-CN" altLang="en-US" dirty="0">
                 <a:solidFill>
                   <a:srgbClr val="FF0000"/>
                 </a:solidFill>
@@ -26511,11 +26511,11 @@
               <a:t>参与交互的各个对象</a:t>
             </a:r>
             <a:r>
-              <a:rPr lang="zh-CN" altLang="en-US"/>
+              <a:rPr lang="zh-CN" altLang="en-US" dirty="0"/>
               <a:t>在交互过程中</a:t>
             </a:r>
             <a:r>
-              <a:rPr lang="zh-CN" altLang="en-US">
+              <a:rPr lang="zh-CN" altLang="en-US" dirty="0">
                 <a:solidFill>
                   <a:srgbClr val="FF0000"/>
                 </a:solidFill>
@@ -26523,11 +26523,11 @@
               <a:t>某一时刻</a:t>
             </a:r>
             <a:r>
-              <a:rPr lang="zh-CN" altLang="en-US"/>
+              <a:rPr lang="zh-CN" altLang="en-US" dirty="0"/>
               <a:t>的状态，是系统详细状态在某一时刻的快照，是类图中的各个类在</a:t>
             </a:r>
             <a:r>
-              <a:rPr lang="zh-CN" altLang="en-US">
+              <a:rPr lang="zh-CN" altLang="en-US" dirty="0">
                 <a:solidFill>
                   <a:srgbClr val="FF0000"/>
                 </a:solidFill>
@@ -26535,7 +26535,7 @@
               <a:t>某一个时间点上的实例及其关系的静态写照</a:t>
             </a:r>
             <a:r>
-              <a:rPr lang="zh-CN" altLang="en-US"/>
+              <a:rPr lang="zh-CN" altLang="en-US" dirty="0"/>
               <a:t>。</a:t>
             </a:r>
           </a:p>
@@ -27821,44 +27821,44 @@
           <a:p>
             <a:pPr indent="457200"/>
             <a:r>
-              <a:rPr lang="zh-CN" altLang="en-US"/>
+              <a:rPr lang="zh-CN" altLang="en-US" dirty="0"/>
               <a:t>对象图的元素：</a:t>
             </a:r>
             <a:r>
-              <a:rPr lang="zh-CN" altLang="en-US">
+              <a:rPr lang="zh-CN" altLang="en-US" dirty="0">
                 <a:solidFill>
                   <a:srgbClr val="FF0000"/>
                 </a:solidFill>
               </a:rPr>
-              <a:t>对象、协作、注释、约束和包</a:t>
+              <a:t>对象、链接。可包含注释、约束</a:t>
             </a:r>
           </a:p>
           <a:p>
             <a:pPr indent="457200"/>
-            <a:endParaRPr lang="zh-CN" altLang="en-US"/>
+            <a:endParaRPr lang="zh-CN" altLang="en-US" dirty="0"/>
           </a:p>
           <a:p>
             <a:pPr indent="457200"/>
-            <a:endParaRPr lang="zh-CN" altLang="en-US"/>
+            <a:endParaRPr lang="zh-CN" altLang="en-US" dirty="0"/>
           </a:p>
           <a:p>
             <a:pPr indent="457200"/>
-            <a:endParaRPr lang="zh-CN" altLang="en-US"/>
+            <a:endParaRPr lang="zh-CN" altLang="en-US" dirty="0"/>
           </a:p>
           <a:p>
             <a:pPr indent="457200"/>
             <a:r>
-              <a:rPr lang="zh-CN" altLang="en-US"/>
-              <a:t>对象图例：</a:t>
+              <a:rPr lang="zh-CN" altLang="en-US" dirty="0"/>
+              <a:t>对象的图例：</a:t>
             </a:r>
           </a:p>
           <a:p>
             <a:pPr indent="457200"/>
-            <a:endParaRPr lang="zh-CN" altLang="en-US"/>
+            <a:endParaRPr lang="zh-CN" altLang="en-US" dirty="0"/>
           </a:p>
           <a:p>
             <a:pPr indent="457200"/>
-            <a:endParaRPr lang="zh-CN" altLang="en-US"/>
+            <a:endParaRPr lang="zh-CN" altLang="en-US" dirty="0"/>
           </a:p>
         </p:txBody>
       </p:sp>
@@ -27882,7 +27882,7 @@
         </p:blipFill>
         <p:spPr>
           <a:xfrm>
-            <a:off x="2465705" y="2057718"/>
+            <a:off x="2953092" y="2058035"/>
             <a:ext cx="2447290" cy="1370965"/>
           </a:xfrm>
           <a:prstGeom prst="rect">
@@ -28000,46 +28000,46 @@
           <a:p>
             <a:pPr indent="457200"/>
             <a:r>
-              <a:rPr lang="zh-CN" altLang="en-US"/>
-              <a:t>链图例：</a:t>
+              <a:rPr lang="zh-CN" altLang="en-US" dirty="0"/>
+              <a:t>链接图例：</a:t>
             </a:r>
           </a:p>
           <a:p>
             <a:pPr indent="457200"/>
-            <a:endParaRPr lang="zh-CN" altLang="en-US"/>
+            <a:endParaRPr lang="zh-CN" altLang="en-US" dirty="0"/>
           </a:p>
           <a:p>
             <a:pPr indent="457200"/>
-            <a:endParaRPr lang="zh-CN" altLang="en-US"/>
+            <a:endParaRPr lang="zh-CN" altLang="en-US" dirty="0"/>
           </a:p>
           <a:p>
             <a:pPr indent="457200"/>
-            <a:endParaRPr lang="zh-CN" altLang="en-US"/>
+            <a:endParaRPr lang="zh-CN" altLang="en-US" dirty="0"/>
           </a:p>
           <a:p>
             <a:pPr indent="457200"/>
-            <a:endParaRPr lang="zh-CN" altLang="en-US"/>
+            <a:endParaRPr lang="zh-CN" altLang="en-US" dirty="0"/>
           </a:p>
           <a:p>
             <a:pPr indent="457200"/>
-            <a:endParaRPr lang="zh-CN" altLang="en-US"/>
+            <a:endParaRPr lang="zh-CN" altLang="en-US" dirty="0"/>
           </a:p>
           <a:p>
             <a:pPr indent="457200"/>
-            <a:endParaRPr lang="zh-CN" altLang="en-US"/>
+            <a:endParaRPr lang="zh-CN" altLang="en-US" dirty="0"/>
           </a:p>
           <a:p>
             <a:pPr indent="457200"/>
-            <a:endParaRPr lang="zh-CN" altLang="en-US"/>
+            <a:endParaRPr lang="zh-CN" altLang="en-US" dirty="0"/>
           </a:p>
           <a:p>
             <a:pPr indent="457200"/>
             <a:r>
-              <a:rPr lang="zh-CN" altLang="en-US"/>
+              <a:rPr lang="zh-CN" altLang="en-US" dirty="0"/>
               <a:t>链接把</a:t>
             </a:r>
             <a:r>
-              <a:rPr lang="zh-CN" altLang="en-US">
+              <a:rPr lang="zh-CN" altLang="en-US" dirty="0">
                 <a:solidFill>
                   <a:srgbClr val="FF0000"/>
                 </a:solidFill>
@@ -28047,17 +28047,17 @@
               <a:t>对象、协作和包</a:t>
             </a:r>
             <a:r>
-              <a:rPr lang="zh-CN" altLang="en-US"/>
+              <a:rPr lang="zh-CN" altLang="en-US" dirty="0"/>
               <a:t>连接在一起构成了一个图</a:t>
             </a:r>
           </a:p>
           <a:p>
             <a:pPr indent="457200"/>
-            <a:endParaRPr lang="zh-CN" altLang="en-US"/>
+            <a:endParaRPr lang="zh-CN" altLang="en-US" dirty="0"/>
           </a:p>
           <a:p>
             <a:pPr indent="457200"/>
-            <a:endParaRPr lang="zh-CN" altLang="en-US"/>
+            <a:endParaRPr lang="zh-CN" altLang="en-US" dirty="0"/>
           </a:p>
         </p:txBody>
       </p:sp>
@@ -28493,7 +28493,7 @@
         <p:spPr>
           <a:xfrm>
             <a:off x="566281" y="2024120"/>
-            <a:ext cx="10341284" cy="645160"/>
+            <a:ext cx="10341284" cy="581057"/>
           </a:xfrm>
           <a:prstGeom prst="rect">
             <a:avLst/>
@@ -28522,7 +28522,7 @@
                 <a:latin typeface="微软雅黑" panose="020B0503020204020204" charset="-122"/>
                 <a:ea typeface="微软雅黑" panose="020B0503020204020204" charset="-122"/>
               </a:rPr>
-              <a:t>问：对象图的元素包括哪些</a:t>
+              <a:t>问：对象图的主要元素包括哪些</a:t>
             </a:r>
           </a:p>
         </p:txBody>
@@ -28536,7 +28536,7 @@
         <p:spPr>
           <a:xfrm>
             <a:off x="566282" y="3229041"/>
-            <a:ext cx="10341284" cy="1198880"/>
+            <a:ext cx="10341284" cy="1135054"/>
           </a:xfrm>
           <a:prstGeom prst="rect">
             <a:avLst/>
@@ -28568,7 +28568,7 @@
               <a:t>答</a:t>
             </a:r>
             <a:r>
-              <a:rPr lang="zh-CN" altLang="en-US" sz="2400" b="1" dirty="0">
+              <a:rPr lang="zh-CN" altLang="en-US" sz="2400" b="1">
                 <a:solidFill>
                   <a:schemeClr val="tx1">
                     <a:lumMod val="75000"/>
@@ -28587,9 +28587,18 @@
                 </a:solidFill>
                 <a:sym typeface="+mn-ea"/>
               </a:rPr>
-              <a:t>对象、协作、注释、约束和包</a:t>
+              <a:t>对象、</a:t>
             </a:r>
-            <a:endParaRPr lang="zh-CN" altLang="en-US" sz="2400">
+            <a:r>
+              <a:rPr lang="zh-CN" altLang="en-US" sz="2400" dirty="0">
+                <a:solidFill>
+                  <a:srgbClr val="FF0000"/>
+                </a:solidFill>
+                <a:sym typeface="+mn-ea"/>
+              </a:rPr>
+              <a:t>链接</a:t>
+            </a:r>
+            <a:endParaRPr lang="zh-CN" altLang="en-US" sz="2400" dirty="0">
               <a:solidFill>
                 <a:srgbClr val="FF0000"/>
               </a:solidFill>
